--- a/Database Definitions/FI_Debug/SAOM.pptx
+++ b/Database Definitions/FI_Debug/SAOM.pptx
@@ -11,9 +11,6 @@
     <p:sldId id="259" r:id="rId5"/>
     <p:sldId id="260" r:id="rId6"/>
     <p:sldId id="264" r:id="rId7"/>
-    <p:sldId id="261" r:id="rId8"/>
-    <p:sldId id="262" r:id="rId9"/>
-    <p:sldId id="263" r:id="rId10"/>
   </p:sldIdLst>
   <p:sldSz cx="12192000" cy="6858000"/>
   <p:notesSz cx="6858000" cy="9144000"/>
@@ -112,7 +109,62 @@
       </a:defRPr>
     </a:lvl9pPr>
   </p:defaultTextStyle>
+  <p:extLst>
+    <p:ext uri="{EFAFB233-063F-42B5-8137-9DF3F51BA10A}">
+      <p15:sldGuideLst xmlns:p15="http://schemas.microsoft.com/office/powerpoint/2012/main"/>
+    </p:ext>
+  </p:extLst>
 </p:presentation>
+</file>
+
+<file path=ppt/changesInfos/changesInfo1.xml><?xml version="1.0" encoding="utf-8"?>
+<pc:chgInfo xmlns:a="http://schemas.openxmlformats.org/drawingml/2006/main" xmlns:r="http://schemas.openxmlformats.org/officeDocument/2006/relationships" xmlns:ac="http://schemas.microsoft.com/office/drawing/2013/main/command" xmlns:pc="http://schemas.microsoft.com/office/powerpoint/2013/main/command">
+  <pc:docChgLst>
+    <pc:chgData name="Fyaz Ikram" userId="112e8136484fc207" providerId="LiveId" clId="{30FC36C9-9ECD-465E-85CC-7F955D5E45D8}"/>
+    <pc:docChg chg="delSld modSld">
+      <pc:chgData name="Fyaz Ikram" userId="112e8136484fc207" providerId="LiveId" clId="{30FC36C9-9ECD-465E-85CC-7F955D5E45D8}" dt="2020-12-28T11:25:12.164" v="3" actId="13926"/>
+      <pc:docMkLst>
+        <pc:docMk/>
+      </pc:docMkLst>
+      <pc:sldChg chg="del">
+        <pc:chgData name="Fyaz Ikram" userId="112e8136484fc207" providerId="LiveId" clId="{30FC36C9-9ECD-465E-85CC-7F955D5E45D8}" dt="2020-12-28T11:25:01.311" v="1" actId="2696"/>
+        <pc:sldMkLst>
+          <pc:docMk/>
+          <pc:sldMk cId="1287261621" sldId="261"/>
+        </pc:sldMkLst>
+      </pc:sldChg>
+      <pc:sldChg chg="del">
+        <pc:chgData name="Fyaz Ikram" userId="112e8136484fc207" providerId="LiveId" clId="{30FC36C9-9ECD-465E-85CC-7F955D5E45D8}" dt="2020-12-28T11:24:57.818" v="0" actId="2696"/>
+        <pc:sldMkLst>
+          <pc:docMk/>
+          <pc:sldMk cId="1783944318" sldId="262"/>
+        </pc:sldMkLst>
+      </pc:sldChg>
+      <pc:sldChg chg="del">
+        <pc:chgData name="Fyaz Ikram" userId="112e8136484fc207" providerId="LiveId" clId="{30FC36C9-9ECD-465E-85CC-7F955D5E45D8}" dt="2020-12-28T11:25:03.833" v="2" actId="2696"/>
+        <pc:sldMkLst>
+          <pc:docMk/>
+          <pc:sldMk cId="1840529372" sldId="263"/>
+        </pc:sldMkLst>
+      </pc:sldChg>
+      <pc:sldChg chg="modSp mod">
+        <pc:chgData name="Fyaz Ikram" userId="112e8136484fc207" providerId="LiveId" clId="{30FC36C9-9ECD-465E-85CC-7F955D5E45D8}" dt="2020-12-28T11:25:12.164" v="3" actId="13926"/>
+        <pc:sldMkLst>
+          <pc:docMk/>
+          <pc:sldMk cId="744820573" sldId="264"/>
+        </pc:sldMkLst>
+        <pc:spChg chg="mod">
+          <ac:chgData name="Fyaz Ikram" userId="112e8136484fc207" providerId="LiveId" clId="{30FC36C9-9ECD-465E-85CC-7F955D5E45D8}" dt="2020-12-28T11:25:12.164" v="3" actId="13926"/>
+          <ac:spMkLst>
+            <pc:docMk/>
+            <pc:sldMk cId="744820573" sldId="264"/>
+            <ac:spMk id="3" creationId="{BE4FE87A-8E18-4243-B18D-AFF569EA9A82}"/>
+          </ac:spMkLst>
+        </pc:spChg>
+      </pc:sldChg>
+    </pc:docChg>
+  </pc:docChgLst>
+</pc:chgInfo>
 </file>
 
 <file path=ppt/slideLayouts/slideLayout1.xml><?xml version="1.0" encoding="utf-8"?>
@@ -2462,7 +2514,7 @@
           <a:p>
             <a:fld id="{3C04E684-10F4-4CC3-A0B9-F03AA7BE37CF}" type="datetimeFigureOut">
               <a:rPr lang="en-US" smtClean="0"/>
-              <a:t>12/26/2020</a:t>
+              <a:t>12/28/2020</a:t>
             </a:fld>
             <a:endParaRPr lang="en-US"/>
           </a:p>
@@ -4952,7 +5004,7 @@
           <a:p>
             <a:fld id="{3C04E684-10F4-4CC3-A0B9-F03AA7BE37CF}" type="datetimeFigureOut">
               <a:rPr lang="en-US" smtClean="0"/>
-              <a:t>12/26/2020</a:t>
+              <a:t>12/28/2020</a:t>
             </a:fld>
             <a:endParaRPr lang="en-US"/>
           </a:p>
@@ -5150,7 +5202,7 @@
           <a:p>
             <a:fld id="{3C04E684-10F4-4CC3-A0B9-F03AA7BE37CF}" type="datetimeFigureOut">
               <a:rPr lang="en-US" smtClean="0"/>
-              <a:t>12/26/2020</a:t>
+              <a:t>12/28/2020</a:t>
             </a:fld>
             <a:endParaRPr lang="en-US"/>
           </a:p>
@@ -5358,7 +5410,7 @@
           <a:p>
             <a:fld id="{3C04E684-10F4-4CC3-A0B9-F03AA7BE37CF}" type="datetimeFigureOut">
               <a:rPr lang="en-US" smtClean="0"/>
-              <a:t>12/26/2020</a:t>
+              <a:t>12/28/2020</a:t>
             </a:fld>
             <a:endParaRPr lang="en-US"/>
           </a:p>
@@ -6095,7 +6147,7 @@
           <a:p>
             <a:fld id="{3C04E684-10F4-4CC3-A0B9-F03AA7BE37CF}" type="datetimeFigureOut">
               <a:rPr lang="en-US" smtClean="0"/>
-              <a:t>12/26/2020</a:t>
+              <a:t>12/28/2020</a:t>
             </a:fld>
             <a:endParaRPr lang="en-US"/>
           </a:p>
@@ -6737,7 +6789,7 @@
           <a:p>
             <a:fld id="{3C04E684-10F4-4CC3-A0B9-F03AA7BE37CF}" type="datetimeFigureOut">
               <a:rPr lang="en-US" smtClean="0"/>
-              <a:t>12/26/2020</a:t>
+              <a:t>12/28/2020</a:t>
             </a:fld>
             <a:endParaRPr lang="en-US"/>
           </a:p>
@@ -7537,7 +7589,7 @@
           <a:p>
             <a:fld id="{3C04E684-10F4-4CC3-A0B9-F03AA7BE37CF}" type="datetimeFigureOut">
               <a:rPr lang="en-US" smtClean="0"/>
-              <a:t>12/26/2020</a:t>
+              <a:t>12/28/2020</a:t>
             </a:fld>
             <a:endParaRPr lang="en-US"/>
           </a:p>
@@ -8488,7 +8540,7 @@
           <a:p>
             <a:fld id="{3C04E684-10F4-4CC3-A0B9-F03AA7BE37CF}" type="datetimeFigureOut">
               <a:rPr lang="en-US" smtClean="0"/>
-              <a:t>12/26/2020</a:t>
+              <a:t>12/28/2020</a:t>
             </a:fld>
             <a:endParaRPr lang="en-US"/>
           </a:p>
@@ -10837,7 +10889,7 @@
           <a:p>
             <a:fld id="{3C04E684-10F4-4CC3-A0B9-F03AA7BE37CF}" type="datetimeFigureOut">
               <a:rPr lang="en-US" smtClean="0"/>
-              <a:t>12/26/2020</a:t>
+              <a:t>12/28/2020</a:t>
             </a:fld>
             <a:endParaRPr lang="en-US"/>
           </a:p>
@@ -10950,7 +11002,7 @@
           <a:p>
             <a:fld id="{3C04E684-10F4-4CC3-A0B9-F03AA7BE37CF}" type="datetimeFigureOut">
               <a:rPr lang="en-US" smtClean="0"/>
-              <a:t>12/26/2020</a:t>
+              <a:t>12/28/2020</a:t>
             </a:fld>
             <a:endParaRPr lang="en-US"/>
           </a:p>
@@ -11457,7 +11509,7 @@
           <a:p>
             <a:fld id="{3C04E684-10F4-4CC3-A0B9-F03AA7BE37CF}" type="datetimeFigureOut">
               <a:rPr lang="en-US" smtClean="0"/>
-              <a:t>12/26/2020</a:t>
+              <a:t>12/28/2020</a:t>
             </a:fld>
             <a:endParaRPr lang="en-US"/>
           </a:p>
@@ -12760,7 +12812,7 @@
           <a:p>
             <a:fld id="{3C04E684-10F4-4CC3-A0B9-F03AA7BE37CF}" type="datetimeFigureOut">
               <a:rPr lang="en-US" smtClean="0"/>
-              <a:t>12/26/2020</a:t>
+              <a:t>12/28/2020</a:t>
             </a:fld>
             <a:endParaRPr lang="en-US"/>
           </a:p>
@@ -13007,7 +13059,7 @@
           <a:p>
             <a:fld id="{3C04E684-10F4-4CC3-A0B9-F03AA7BE37CF}" type="datetimeFigureOut">
               <a:rPr lang="en-US" smtClean="0"/>
-              <a:t>12/26/2020</a:t>
+              <a:t>12/28/2020</a:t>
             </a:fld>
             <a:endParaRPr lang="en-US"/>
           </a:p>
@@ -14795,21 +14847,41 @@
           </a:p>
           <a:p>
             <a:r>
-              <a:rPr lang="en-IE" dirty="0"/>
+              <a:rPr lang="en-IE" dirty="0">
+                <a:highlight>
+                  <a:srgbClr val="FFFF00"/>
+                </a:highlight>
+              </a:rPr>
               <a:t>Process course timetable</a:t>
             </a:r>
-            <a:endParaRPr lang="en-GB" dirty="0"/>
+            <a:endParaRPr lang="en-GB" dirty="0">
+              <a:highlight>
+                <a:srgbClr val="FFFF00"/>
+              </a:highlight>
+            </a:endParaRPr>
           </a:p>
           <a:p>
             <a:r>
-              <a:rPr lang="en-IE" dirty="0"/>
+              <a:rPr lang="en-IE" dirty="0">
+                <a:highlight>
+                  <a:srgbClr val="FFFF00"/>
+                </a:highlight>
+              </a:rPr>
               <a:t>View course timetable </a:t>
             </a:r>
-            <a:endParaRPr lang="en-GB" dirty="0"/>
+            <a:endParaRPr lang="en-GB" dirty="0">
+              <a:highlight>
+                <a:srgbClr val="FFFF00"/>
+              </a:highlight>
+            </a:endParaRPr>
           </a:p>
           <a:p>
             <a:r>
-              <a:rPr lang="en-GB" dirty="0"/>
+              <a:rPr lang="en-GB" dirty="0">
+                <a:highlight>
+                  <a:srgbClr val="FFFF00"/>
+                </a:highlight>
+              </a:rPr>
               <a:t>View course timetable with staff ID</a:t>
             </a:r>
           </a:p>
@@ -14844,1056 +14916,6 @@
     <p:extLst>
       <p:ext uri="{BB962C8B-B14F-4D97-AF65-F5344CB8AC3E}">
         <p14:creationId xmlns:p14="http://schemas.microsoft.com/office/powerpoint/2010/main" val="744820573"/>
-      </p:ext>
-    </p:extLst>
-  </p:cSld>
-  <p:clrMapOvr>
-    <a:masterClrMapping/>
-  </p:clrMapOvr>
-</p:sld>
-</file>
-
-<file path=ppt/slides/slide7.xml><?xml version="1.0" encoding="utf-8"?>
-<p:sld xmlns:a="http://schemas.openxmlformats.org/drawingml/2006/main" xmlns:r="http://schemas.openxmlformats.org/officeDocument/2006/relationships" xmlns:p="http://schemas.openxmlformats.org/presentationml/2006/main">
-  <p:cSld>
-    <p:spTree>
-      <p:nvGrpSpPr>
-        <p:cNvPr id="1" name=""/>
-        <p:cNvGrpSpPr/>
-        <p:nvPr/>
-      </p:nvGrpSpPr>
-      <p:grpSpPr>
-        <a:xfrm>
-          <a:off x="0" y="0"/>
-          <a:ext cx="0" cy="0"/>
-          <a:chOff x="0" y="0"/>
-          <a:chExt cx="0" cy="0"/>
-        </a:xfrm>
-      </p:grpSpPr>
-      <p:sp>
-        <p:nvSpPr>
-          <p:cNvPr id="2" name="Title 1">
-            <a:extLst>
-              <a:ext uri="{FF2B5EF4-FFF2-40B4-BE49-F238E27FC236}">
-                <a16:creationId xmlns:a16="http://schemas.microsoft.com/office/drawing/2014/main" id="{77BA8A29-A6D9-440F-AF91-C8E387AEE4E0}"/>
-              </a:ext>
-            </a:extLst>
-          </p:cNvPr>
-          <p:cNvSpPr>
-            <a:spLocks noGrp="1"/>
-          </p:cNvSpPr>
-          <p:nvPr>
-            <p:ph type="title"/>
-          </p:nvPr>
-        </p:nvSpPr>
-        <p:spPr/>
-        <p:txBody>
-          <a:bodyPr/>
-          <a:lstStyle/>
-          <a:p>
-            <a:r>
-              <a:rPr lang="en-IE" dirty="0"/>
-              <a:t>Process Course Timetable (VIEW)</a:t>
-            </a:r>
-          </a:p>
-        </p:txBody>
-      </p:sp>
-      <p:sp>
-        <p:nvSpPr>
-          <p:cNvPr id="4" name="Rectangle 3">
-            <a:extLst>
-              <a:ext uri="{FF2B5EF4-FFF2-40B4-BE49-F238E27FC236}">
-                <a16:creationId xmlns:a16="http://schemas.microsoft.com/office/drawing/2014/main" id="{8D7CD161-1628-47FB-9121-C2A2D8F51128}"/>
-              </a:ext>
-            </a:extLst>
-          </p:cNvPr>
-          <p:cNvSpPr/>
-          <p:nvPr/>
-        </p:nvSpPr>
-        <p:spPr>
-          <a:xfrm>
-            <a:off x="3095625" y="1620321"/>
-            <a:ext cx="4295775" cy="466725"/>
-          </a:xfrm>
-          <a:prstGeom prst="rect">
-            <a:avLst/>
-          </a:prstGeom>
-        </p:spPr>
-        <p:style>
-          <a:lnRef idx="2">
-            <a:schemeClr val="accent1">
-              <a:shade val="50000"/>
-            </a:schemeClr>
-          </a:lnRef>
-          <a:fillRef idx="1">
-            <a:schemeClr val="accent1"/>
-          </a:fillRef>
-          <a:effectRef idx="0">
-            <a:schemeClr val="accent1"/>
-          </a:effectRef>
-          <a:fontRef idx="minor">
-            <a:schemeClr val="lt1"/>
-          </a:fontRef>
-        </p:style>
-        <p:txBody>
-          <a:bodyPr rtlCol="0" anchor="ctr"/>
-          <a:lstStyle/>
-          <a:p>
-            <a:pPr algn="ctr"/>
-            <a:endParaRPr lang="en-IE" dirty="0"/>
-          </a:p>
-        </p:txBody>
-      </p:sp>
-      <p:sp>
-        <p:nvSpPr>
-          <p:cNvPr id="5" name="TextBox 4">
-            <a:extLst>
-              <a:ext uri="{FF2B5EF4-FFF2-40B4-BE49-F238E27FC236}">
-                <a16:creationId xmlns:a16="http://schemas.microsoft.com/office/drawing/2014/main" id="{A69890AA-8CD1-409E-8BB0-76F4361C1CFE}"/>
-              </a:ext>
-            </a:extLst>
-          </p:cNvPr>
-          <p:cNvSpPr txBox="1"/>
-          <p:nvPr/>
-        </p:nvSpPr>
-        <p:spPr>
-          <a:xfrm>
-            <a:off x="1885950" y="1620321"/>
-            <a:ext cx="914400" cy="369332"/>
-          </a:xfrm>
-          <a:prstGeom prst="rect">
-            <a:avLst/>
-          </a:prstGeom>
-          <a:noFill/>
-        </p:spPr>
-        <p:txBody>
-          <a:bodyPr wrap="square" rtlCol="0">
-            <a:spAutoFit/>
-          </a:bodyPr>
-          <a:lstStyle/>
-          <a:p>
-            <a:r>
-              <a:rPr lang="en-IE" dirty="0"/>
-              <a:t>Day</a:t>
-            </a:r>
-          </a:p>
-        </p:txBody>
-      </p:sp>
-      <p:sp>
-        <p:nvSpPr>
-          <p:cNvPr id="6" name="Rectangle 5">
-            <a:extLst>
-              <a:ext uri="{FF2B5EF4-FFF2-40B4-BE49-F238E27FC236}">
-                <a16:creationId xmlns:a16="http://schemas.microsoft.com/office/drawing/2014/main" id="{638FDEC1-4C70-4E96-892D-E08CC30174F9}"/>
-              </a:ext>
-            </a:extLst>
-          </p:cNvPr>
-          <p:cNvSpPr/>
-          <p:nvPr/>
-        </p:nvSpPr>
-        <p:spPr>
-          <a:xfrm>
-            <a:off x="3095625" y="2366961"/>
-            <a:ext cx="4295775" cy="466725"/>
-          </a:xfrm>
-          <a:prstGeom prst="rect">
-            <a:avLst/>
-          </a:prstGeom>
-        </p:spPr>
-        <p:style>
-          <a:lnRef idx="2">
-            <a:schemeClr val="accent1">
-              <a:shade val="50000"/>
-            </a:schemeClr>
-          </a:lnRef>
-          <a:fillRef idx="1">
-            <a:schemeClr val="accent1"/>
-          </a:fillRef>
-          <a:effectRef idx="0">
-            <a:schemeClr val="accent1"/>
-          </a:effectRef>
-          <a:fontRef idx="minor">
-            <a:schemeClr val="lt1"/>
-          </a:fontRef>
-        </p:style>
-        <p:txBody>
-          <a:bodyPr rtlCol="0" anchor="ctr"/>
-          <a:lstStyle/>
-          <a:p>
-            <a:pPr algn="ctr"/>
-            <a:endParaRPr lang="en-IE" dirty="0"/>
-          </a:p>
-        </p:txBody>
-      </p:sp>
-      <p:sp>
-        <p:nvSpPr>
-          <p:cNvPr id="7" name="TextBox 6">
-            <a:extLst>
-              <a:ext uri="{FF2B5EF4-FFF2-40B4-BE49-F238E27FC236}">
-                <a16:creationId xmlns:a16="http://schemas.microsoft.com/office/drawing/2014/main" id="{76C05E28-CB8B-44DE-A02B-43D3D7765970}"/>
-              </a:ext>
-            </a:extLst>
-          </p:cNvPr>
-          <p:cNvSpPr txBox="1"/>
-          <p:nvPr/>
-        </p:nvSpPr>
-        <p:spPr>
-          <a:xfrm>
-            <a:off x="1885950" y="2366961"/>
-            <a:ext cx="914400" cy="369332"/>
-          </a:xfrm>
-          <a:prstGeom prst="rect">
-            <a:avLst/>
-          </a:prstGeom>
-          <a:noFill/>
-        </p:spPr>
-        <p:txBody>
-          <a:bodyPr wrap="square" rtlCol="0">
-            <a:spAutoFit/>
-          </a:bodyPr>
-          <a:lstStyle/>
-          <a:p>
-            <a:r>
-              <a:rPr lang="en-IE" dirty="0"/>
-              <a:t>Date</a:t>
-            </a:r>
-          </a:p>
-        </p:txBody>
-      </p:sp>
-      <p:sp>
-        <p:nvSpPr>
-          <p:cNvPr id="8" name="Rectangle 7">
-            <a:extLst>
-              <a:ext uri="{FF2B5EF4-FFF2-40B4-BE49-F238E27FC236}">
-                <a16:creationId xmlns:a16="http://schemas.microsoft.com/office/drawing/2014/main" id="{8DBAE933-DF63-4A0D-8396-A7604FE308FC}"/>
-              </a:ext>
-            </a:extLst>
-          </p:cNvPr>
-          <p:cNvSpPr/>
-          <p:nvPr/>
-        </p:nvSpPr>
-        <p:spPr>
-          <a:xfrm>
-            <a:off x="3095625" y="3113601"/>
-            <a:ext cx="4295775" cy="466725"/>
-          </a:xfrm>
-          <a:prstGeom prst="rect">
-            <a:avLst/>
-          </a:prstGeom>
-        </p:spPr>
-        <p:style>
-          <a:lnRef idx="2">
-            <a:schemeClr val="accent1">
-              <a:shade val="50000"/>
-            </a:schemeClr>
-          </a:lnRef>
-          <a:fillRef idx="1">
-            <a:schemeClr val="accent1"/>
-          </a:fillRef>
-          <a:effectRef idx="0">
-            <a:schemeClr val="accent1"/>
-          </a:effectRef>
-          <a:fontRef idx="minor">
-            <a:schemeClr val="lt1"/>
-          </a:fontRef>
-        </p:style>
-        <p:txBody>
-          <a:bodyPr rtlCol="0" anchor="ctr"/>
-          <a:lstStyle/>
-          <a:p>
-            <a:pPr algn="ctr"/>
-            <a:endParaRPr lang="en-IE" dirty="0"/>
-          </a:p>
-        </p:txBody>
-      </p:sp>
-      <p:sp>
-        <p:nvSpPr>
-          <p:cNvPr id="9" name="TextBox 8">
-            <a:extLst>
-              <a:ext uri="{FF2B5EF4-FFF2-40B4-BE49-F238E27FC236}">
-                <a16:creationId xmlns:a16="http://schemas.microsoft.com/office/drawing/2014/main" id="{E995083B-C2FE-4203-96EB-67B6365555F8}"/>
-              </a:ext>
-            </a:extLst>
-          </p:cNvPr>
-          <p:cNvSpPr txBox="1"/>
-          <p:nvPr/>
-        </p:nvSpPr>
-        <p:spPr>
-          <a:xfrm>
-            <a:off x="1676400" y="3113601"/>
-            <a:ext cx="1123950" cy="369332"/>
-          </a:xfrm>
-          <a:prstGeom prst="rect">
-            <a:avLst/>
-          </a:prstGeom>
-          <a:noFill/>
-        </p:spPr>
-        <p:txBody>
-          <a:bodyPr wrap="square" rtlCol="0">
-            <a:spAutoFit/>
-          </a:bodyPr>
-          <a:lstStyle/>
-          <a:p>
-            <a:r>
-              <a:rPr lang="en-IE" dirty="0"/>
-              <a:t>Timeslot</a:t>
-            </a:r>
-          </a:p>
-        </p:txBody>
-      </p:sp>
-      <p:sp>
-        <p:nvSpPr>
-          <p:cNvPr id="10" name="Rectangle 9">
-            <a:extLst>
-              <a:ext uri="{FF2B5EF4-FFF2-40B4-BE49-F238E27FC236}">
-                <a16:creationId xmlns:a16="http://schemas.microsoft.com/office/drawing/2014/main" id="{8D7BB343-6FA4-4906-B245-33C366DE4FEE}"/>
-              </a:ext>
-            </a:extLst>
-          </p:cNvPr>
-          <p:cNvSpPr/>
-          <p:nvPr/>
-        </p:nvSpPr>
-        <p:spPr>
-          <a:xfrm>
-            <a:off x="3095625" y="3860241"/>
-            <a:ext cx="4295775" cy="466725"/>
-          </a:xfrm>
-          <a:prstGeom prst="rect">
-            <a:avLst/>
-          </a:prstGeom>
-        </p:spPr>
-        <p:style>
-          <a:lnRef idx="2">
-            <a:schemeClr val="accent1">
-              <a:shade val="50000"/>
-            </a:schemeClr>
-          </a:lnRef>
-          <a:fillRef idx="1">
-            <a:schemeClr val="accent1"/>
-          </a:fillRef>
-          <a:effectRef idx="0">
-            <a:schemeClr val="accent1"/>
-          </a:effectRef>
-          <a:fontRef idx="minor">
-            <a:schemeClr val="lt1"/>
-          </a:fontRef>
-        </p:style>
-        <p:txBody>
-          <a:bodyPr rtlCol="0" anchor="ctr"/>
-          <a:lstStyle/>
-          <a:p>
-            <a:pPr algn="ctr"/>
-            <a:endParaRPr lang="en-IE" dirty="0"/>
-          </a:p>
-        </p:txBody>
-      </p:sp>
-      <p:sp>
-        <p:nvSpPr>
-          <p:cNvPr id="11" name="TextBox 10">
-            <a:extLst>
-              <a:ext uri="{FF2B5EF4-FFF2-40B4-BE49-F238E27FC236}">
-                <a16:creationId xmlns:a16="http://schemas.microsoft.com/office/drawing/2014/main" id="{F63A68BB-6F96-410A-8A7B-9FC139F239D5}"/>
-              </a:ext>
-            </a:extLst>
-          </p:cNvPr>
-          <p:cNvSpPr txBox="1"/>
-          <p:nvPr/>
-        </p:nvSpPr>
-        <p:spPr>
-          <a:xfrm>
-            <a:off x="1676400" y="3860241"/>
-            <a:ext cx="1123950" cy="369332"/>
-          </a:xfrm>
-          <a:prstGeom prst="rect">
-            <a:avLst/>
-          </a:prstGeom>
-          <a:noFill/>
-        </p:spPr>
-        <p:txBody>
-          <a:bodyPr wrap="square" rtlCol="0">
-            <a:spAutoFit/>
-          </a:bodyPr>
-          <a:lstStyle/>
-          <a:p>
-            <a:r>
-              <a:rPr lang="en-IE" dirty="0"/>
-              <a:t>Module</a:t>
-            </a:r>
-          </a:p>
-        </p:txBody>
-      </p:sp>
-      <p:sp>
-        <p:nvSpPr>
-          <p:cNvPr id="12" name="Rectangle 11">
-            <a:extLst>
-              <a:ext uri="{FF2B5EF4-FFF2-40B4-BE49-F238E27FC236}">
-                <a16:creationId xmlns:a16="http://schemas.microsoft.com/office/drawing/2014/main" id="{6D21B155-1A6D-4C6A-B9C4-9FAEC7220D65}"/>
-              </a:ext>
-            </a:extLst>
-          </p:cNvPr>
-          <p:cNvSpPr/>
-          <p:nvPr/>
-        </p:nvSpPr>
-        <p:spPr>
-          <a:xfrm>
-            <a:off x="3095625" y="4704274"/>
-            <a:ext cx="4295775" cy="466725"/>
-          </a:xfrm>
-          <a:prstGeom prst="rect">
-            <a:avLst/>
-          </a:prstGeom>
-        </p:spPr>
-        <p:style>
-          <a:lnRef idx="2">
-            <a:schemeClr val="accent1">
-              <a:shade val="50000"/>
-            </a:schemeClr>
-          </a:lnRef>
-          <a:fillRef idx="1">
-            <a:schemeClr val="accent1"/>
-          </a:fillRef>
-          <a:effectRef idx="0">
-            <a:schemeClr val="accent1"/>
-          </a:effectRef>
-          <a:fontRef idx="minor">
-            <a:schemeClr val="lt1"/>
-          </a:fontRef>
-        </p:style>
-        <p:txBody>
-          <a:bodyPr rtlCol="0" anchor="ctr"/>
-          <a:lstStyle/>
-          <a:p>
-            <a:pPr algn="ctr"/>
-            <a:endParaRPr lang="en-IE" dirty="0"/>
-          </a:p>
-        </p:txBody>
-      </p:sp>
-      <p:sp>
-        <p:nvSpPr>
-          <p:cNvPr id="13" name="TextBox 12">
-            <a:extLst>
-              <a:ext uri="{FF2B5EF4-FFF2-40B4-BE49-F238E27FC236}">
-                <a16:creationId xmlns:a16="http://schemas.microsoft.com/office/drawing/2014/main" id="{3C9382ED-4C4C-4BAA-900E-D764DF712D1A}"/>
-              </a:ext>
-            </a:extLst>
-          </p:cNvPr>
-          <p:cNvSpPr txBox="1"/>
-          <p:nvPr/>
-        </p:nvSpPr>
-        <p:spPr>
-          <a:xfrm>
-            <a:off x="1485900" y="4704274"/>
-            <a:ext cx="1314450" cy="369332"/>
-          </a:xfrm>
-          <a:prstGeom prst="rect">
-            <a:avLst/>
-          </a:prstGeom>
-          <a:noFill/>
-        </p:spPr>
-        <p:txBody>
-          <a:bodyPr wrap="square" rtlCol="0">
-            <a:spAutoFit/>
-          </a:bodyPr>
-          <a:lstStyle/>
-          <a:p>
-            <a:r>
-              <a:rPr lang="en-IE" dirty="0"/>
-              <a:t>Course ID</a:t>
-            </a:r>
-          </a:p>
-        </p:txBody>
-      </p:sp>
-      <p:sp>
-        <p:nvSpPr>
-          <p:cNvPr id="14" name="Rectangle 13">
-            <a:extLst>
-              <a:ext uri="{FF2B5EF4-FFF2-40B4-BE49-F238E27FC236}">
-                <a16:creationId xmlns:a16="http://schemas.microsoft.com/office/drawing/2014/main" id="{D29632CB-803D-4626-AD28-2F97A74EF826}"/>
-              </a:ext>
-            </a:extLst>
-          </p:cNvPr>
-          <p:cNvSpPr/>
-          <p:nvPr/>
-        </p:nvSpPr>
-        <p:spPr>
-          <a:xfrm>
-            <a:off x="3095625" y="5548307"/>
-            <a:ext cx="4295775" cy="466725"/>
-          </a:xfrm>
-          <a:prstGeom prst="rect">
-            <a:avLst/>
-          </a:prstGeom>
-        </p:spPr>
-        <p:style>
-          <a:lnRef idx="2">
-            <a:schemeClr val="accent1">
-              <a:shade val="50000"/>
-            </a:schemeClr>
-          </a:lnRef>
-          <a:fillRef idx="1">
-            <a:schemeClr val="accent1"/>
-          </a:fillRef>
-          <a:effectRef idx="0">
-            <a:schemeClr val="accent1"/>
-          </a:effectRef>
-          <a:fontRef idx="minor">
-            <a:schemeClr val="lt1"/>
-          </a:fontRef>
-        </p:style>
-        <p:txBody>
-          <a:bodyPr rtlCol="0" anchor="ctr"/>
-          <a:lstStyle/>
-          <a:p>
-            <a:pPr algn="ctr"/>
-            <a:endParaRPr lang="en-IE" dirty="0"/>
-          </a:p>
-        </p:txBody>
-      </p:sp>
-      <p:sp>
-        <p:nvSpPr>
-          <p:cNvPr id="15" name="TextBox 14">
-            <a:extLst>
-              <a:ext uri="{FF2B5EF4-FFF2-40B4-BE49-F238E27FC236}">
-                <a16:creationId xmlns:a16="http://schemas.microsoft.com/office/drawing/2014/main" id="{01EDC950-765A-4591-9B14-F6B29251D1BB}"/>
-              </a:ext>
-            </a:extLst>
-          </p:cNvPr>
-          <p:cNvSpPr txBox="1"/>
-          <p:nvPr/>
-        </p:nvSpPr>
-        <p:spPr>
-          <a:xfrm>
-            <a:off x="1562100" y="5548307"/>
-            <a:ext cx="1238250" cy="369332"/>
-          </a:xfrm>
-          <a:prstGeom prst="rect">
-            <a:avLst/>
-          </a:prstGeom>
-          <a:noFill/>
-        </p:spPr>
-        <p:txBody>
-          <a:bodyPr wrap="square" rtlCol="0">
-            <a:spAutoFit/>
-          </a:bodyPr>
-          <a:lstStyle/>
-          <a:p>
-            <a:r>
-              <a:rPr lang="en-IE" dirty="0"/>
-              <a:t>Staff ID</a:t>
-            </a:r>
-          </a:p>
-        </p:txBody>
-      </p:sp>
-      <p:sp>
-        <p:nvSpPr>
-          <p:cNvPr id="16" name="Rectangle: Rounded Corners 15">
-            <a:extLst>
-              <a:ext uri="{FF2B5EF4-FFF2-40B4-BE49-F238E27FC236}">
-                <a16:creationId xmlns:a16="http://schemas.microsoft.com/office/drawing/2014/main" id="{DED5043A-AD08-4407-806F-060B5E8D87AE}"/>
-              </a:ext>
-            </a:extLst>
-          </p:cNvPr>
-          <p:cNvSpPr/>
-          <p:nvPr/>
-        </p:nvSpPr>
-        <p:spPr>
-          <a:xfrm>
-            <a:off x="4038600" y="6278040"/>
-            <a:ext cx="3352800" cy="323850"/>
-          </a:xfrm>
-          <a:prstGeom prst="roundRect">
-            <a:avLst/>
-          </a:prstGeom>
-        </p:spPr>
-        <p:style>
-          <a:lnRef idx="2">
-            <a:schemeClr val="accent1">
-              <a:shade val="50000"/>
-            </a:schemeClr>
-          </a:lnRef>
-          <a:fillRef idx="1">
-            <a:schemeClr val="accent1"/>
-          </a:fillRef>
-          <a:effectRef idx="0">
-            <a:schemeClr val="accent1"/>
-          </a:effectRef>
-          <a:fontRef idx="minor">
-            <a:schemeClr val="lt1"/>
-          </a:fontRef>
-        </p:style>
-        <p:txBody>
-          <a:bodyPr rtlCol="0" anchor="ctr"/>
-          <a:lstStyle/>
-          <a:p>
-            <a:pPr algn="ctr"/>
-            <a:r>
-              <a:rPr lang="en-IE" dirty="0"/>
-              <a:t>Process Course Timetable</a:t>
-            </a:r>
-          </a:p>
-        </p:txBody>
-      </p:sp>
-    </p:spTree>
-    <p:extLst>
-      <p:ext uri="{BB962C8B-B14F-4D97-AF65-F5344CB8AC3E}">
-        <p14:creationId xmlns:p14="http://schemas.microsoft.com/office/powerpoint/2010/main" val="1287261621"/>
-      </p:ext>
-    </p:extLst>
-  </p:cSld>
-  <p:clrMapOvr>
-    <a:masterClrMapping/>
-  </p:clrMapOvr>
-</p:sld>
-</file>
-
-<file path=ppt/slides/slide8.xml><?xml version="1.0" encoding="utf-8"?>
-<p:sld xmlns:a="http://schemas.openxmlformats.org/drawingml/2006/main" xmlns:r="http://schemas.openxmlformats.org/officeDocument/2006/relationships" xmlns:p="http://schemas.openxmlformats.org/presentationml/2006/main">
-  <p:cSld>
-    <p:spTree>
-      <p:nvGrpSpPr>
-        <p:cNvPr id="1" name=""/>
-        <p:cNvGrpSpPr/>
-        <p:nvPr/>
-      </p:nvGrpSpPr>
-      <p:grpSpPr>
-        <a:xfrm>
-          <a:off x="0" y="0"/>
-          <a:ext cx="0" cy="0"/>
-          <a:chOff x="0" y="0"/>
-          <a:chExt cx="0" cy="0"/>
-        </a:xfrm>
-      </p:grpSpPr>
-      <p:sp>
-        <p:nvSpPr>
-          <p:cNvPr id="2" name="Title 1">
-            <a:extLst>
-              <a:ext uri="{FF2B5EF4-FFF2-40B4-BE49-F238E27FC236}">
-                <a16:creationId xmlns:a16="http://schemas.microsoft.com/office/drawing/2014/main" id="{2C87B61E-FE90-4C71-B8D9-9D341EACB86A}"/>
-              </a:ext>
-            </a:extLst>
-          </p:cNvPr>
-          <p:cNvSpPr>
-            <a:spLocks noGrp="1"/>
-          </p:cNvSpPr>
-          <p:nvPr>
-            <p:ph type="title"/>
-          </p:nvPr>
-        </p:nvSpPr>
-        <p:spPr/>
-        <p:txBody>
-          <a:bodyPr/>
-          <a:lstStyle/>
-          <a:p>
-            <a:r>
-              <a:rPr lang="en-IE" dirty="0"/>
-              <a:t>View Course Timetable (VIEW)</a:t>
-            </a:r>
-          </a:p>
-        </p:txBody>
-      </p:sp>
-      <p:sp>
-        <p:nvSpPr>
-          <p:cNvPr id="4" name="Rectangle 3">
-            <a:extLst>
-              <a:ext uri="{FF2B5EF4-FFF2-40B4-BE49-F238E27FC236}">
-                <a16:creationId xmlns:a16="http://schemas.microsoft.com/office/drawing/2014/main" id="{AE48B36D-9680-4254-AC76-AABA5A6BFE4E}"/>
-              </a:ext>
-            </a:extLst>
-          </p:cNvPr>
-          <p:cNvSpPr/>
-          <p:nvPr/>
-        </p:nvSpPr>
-        <p:spPr>
-          <a:xfrm>
-            <a:off x="3067050" y="2067996"/>
-            <a:ext cx="4295775" cy="466725"/>
-          </a:xfrm>
-          <a:prstGeom prst="rect">
-            <a:avLst/>
-          </a:prstGeom>
-        </p:spPr>
-        <p:style>
-          <a:lnRef idx="2">
-            <a:schemeClr val="accent1">
-              <a:shade val="50000"/>
-            </a:schemeClr>
-          </a:lnRef>
-          <a:fillRef idx="1">
-            <a:schemeClr val="accent1"/>
-          </a:fillRef>
-          <a:effectRef idx="0">
-            <a:schemeClr val="accent1"/>
-          </a:effectRef>
-          <a:fontRef idx="minor">
-            <a:schemeClr val="lt1"/>
-          </a:fontRef>
-        </p:style>
-        <p:txBody>
-          <a:bodyPr rtlCol="0" anchor="ctr"/>
-          <a:lstStyle/>
-          <a:p>
-            <a:pPr algn="ctr"/>
-            <a:endParaRPr lang="en-IE" dirty="0"/>
-          </a:p>
-        </p:txBody>
-      </p:sp>
-      <p:sp>
-        <p:nvSpPr>
-          <p:cNvPr id="5" name="TextBox 4">
-            <a:extLst>
-              <a:ext uri="{FF2B5EF4-FFF2-40B4-BE49-F238E27FC236}">
-                <a16:creationId xmlns:a16="http://schemas.microsoft.com/office/drawing/2014/main" id="{9184BA42-4F1D-40F5-ACF3-0E0D52D7591A}"/>
-              </a:ext>
-            </a:extLst>
-          </p:cNvPr>
-          <p:cNvSpPr txBox="1"/>
-          <p:nvPr/>
-        </p:nvSpPr>
-        <p:spPr>
-          <a:xfrm>
-            <a:off x="447676" y="2067996"/>
-            <a:ext cx="2324100" cy="369332"/>
-          </a:xfrm>
-          <a:prstGeom prst="rect">
-            <a:avLst/>
-          </a:prstGeom>
-          <a:noFill/>
-        </p:spPr>
-        <p:txBody>
-          <a:bodyPr wrap="square" rtlCol="0">
-            <a:spAutoFit/>
-          </a:bodyPr>
-          <a:lstStyle/>
-          <a:p>
-            <a:r>
-              <a:rPr lang="en-IE" dirty="0"/>
-              <a:t>Course Name/ID</a:t>
-            </a:r>
-          </a:p>
-        </p:txBody>
-      </p:sp>
-      <p:sp>
-        <p:nvSpPr>
-          <p:cNvPr id="8" name="Rectangle: Rounded Corners 7">
-            <a:extLst>
-              <a:ext uri="{FF2B5EF4-FFF2-40B4-BE49-F238E27FC236}">
-                <a16:creationId xmlns:a16="http://schemas.microsoft.com/office/drawing/2014/main" id="{2B88DC4F-CFEA-40C6-A2CE-EADEC822BBAC}"/>
-              </a:ext>
-            </a:extLst>
-          </p:cNvPr>
-          <p:cNvSpPr/>
-          <p:nvPr/>
-        </p:nvSpPr>
-        <p:spPr>
-          <a:xfrm>
-            <a:off x="4010025" y="2912029"/>
-            <a:ext cx="3352800" cy="323850"/>
-          </a:xfrm>
-          <a:prstGeom prst="roundRect">
-            <a:avLst/>
-          </a:prstGeom>
-        </p:spPr>
-        <p:style>
-          <a:lnRef idx="2">
-            <a:schemeClr val="accent1">
-              <a:shade val="50000"/>
-            </a:schemeClr>
-          </a:lnRef>
-          <a:fillRef idx="1">
-            <a:schemeClr val="accent1"/>
-          </a:fillRef>
-          <a:effectRef idx="0">
-            <a:schemeClr val="accent1"/>
-          </a:effectRef>
-          <a:fontRef idx="minor">
-            <a:schemeClr val="lt1"/>
-          </a:fontRef>
-        </p:style>
-        <p:txBody>
-          <a:bodyPr rtlCol="0" anchor="ctr"/>
-          <a:lstStyle/>
-          <a:p>
-            <a:pPr algn="ctr"/>
-            <a:r>
-              <a:rPr lang="en-IE" dirty="0"/>
-              <a:t>View Course Timetable</a:t>
-            </a:r>
-          </a:p>
-        </p:txBody>
-      </p:sp>
-    </p:spTree>
-    <p:extLst>
-      <p:ext uri="{BB962C8B-B14F-4D97-AF65-F5344CB8AC3E}">
-        <p14:creationId xmlns:p14="http://schemas.microsoft.com/office/powerpoint/2010/main" val="1783944318"/>
-      </p:ext>
-    </p:extLst>
-  </p:cSld>
-  <p:clrMapOvr>
-    <a:masterClrMapping/>
-  </p:clrMapOvr>
-</p:sld>
-</file>
-
-<file path=ppt/slides/slide9.xml><?xml version="1.0" encoding="utf-8"?>
-<p:sld xmlns:a="http://schemas.openxmlformats.org/drawingml/2006/main" xmlns:r="http://schemas.openxmlformats.org/officeDocument/2006/relationships" xmlns:p="http://schemas.openxmlformats.org/presentationml/2006/main">
-  <p:cSld>
-    <p:spTree>
-      <p:nvGrpSpPr>
-        <p:cNvPr id="1" name=""/>
-        <p:cNvGrpSpPr/>
-        <p:nvPr/>
-      </p:nvGrpSpPr>
-      <p:grpSpPr>
-        <a:xfrm>
-          <a:off x="0" y="0"/>
-          <a:ext cx="0" cy="0"/>
-          <a:chOff x="0" y="0"/>
-          <a:chExt cx="0" cy="0"/>
-        </a:xfrm>
-      </p:grpSpPr>
-      <p:sp>
-        <p:nvSpPr>
-          <p:cNvPr id="2" name="Title 1">
-            <a:extLst>
-              <a:ext uri="{FF2B5EF4-FFF2-40B4-BE49-F238E27FC236}">
-                <a16:creationId xmlns:a16="http://schemas.microsoft.com/office/drawing/2014/main" id="{2C87B61E-FE90-4C71-B8D9-9D341EACB86A}"/>
-              </a:ext>
-            </a:extLst>
-          </p:cNvPr>
-          <p:cNvSpPr>
-            <a:spLocks noGrp="1"/>
-          </p:cNvSpPr>
-          <p:nvPr>
-            <p:ph type="title"/>
-          </p:nvPr>
-        </p:nvSpPr>
-        <p:spPr/>
-        <p:txBody>
-          <a:bodyPr/>
-          <a:lstStyle/>
-          <a:p>
-            <a:r>
-              <a:rPr lang="en-IE" dirty="0"/>
-              <a:t>View Staff/Course Timetable (VIEW)</a:t>
-            </a:r>
-          </a:p>
-        </p:txBody>
-      </p:sp>
-      <p:sp>
-        <p:nvSpPr>
-          <p:cNvPr id="4" name="Rectangle 3">
-            <a:extLst>
-              <a:ext uri="{FF2B5EF4-FFF2-40B4-BE49-F238E27FC236}">
-                <a16:creationId xmlns:a16="http://schemas.microsoft.com/office/drawing/2014/main" id="{AE48B36D-9680-4254-AC76-AABA5A6BFE4E}"/>
-              </a:ext>
-            </a:extLst>
-          </p:cNvPr>
-          <p:cNvSpPr/>
-          <p:nvPr/>
-        </p:nvSpPr>
-        <p:spPr>
-          <a:xfrm>
-            <a:off x="3067050" y="2067996"/>
-            <a:ext cx="4295775" cy="466725"/>
-          </a:xfrm>
-          <a:prstGeom prst="rect">
-            <a:avLst/>
-          </a:prstGeom>
-        </p:spPr>
-        <p:style>
-          <a:lnRef idx="2">
-            <a:schemeClr val="accent1">
-              <a:shade val="50000"/>
-            </a:schemeClr>
-          </a:lnRef>
-          <a:fillRef idx="1">
-            <a:schemeClr val="accent1"/>
-          </a:fillRef>
-          <a:effectRef idx="0">
-            <a:schemeClr val="accent1"/>
-          </a:effectRef>
-          <a:fontRef idx="minor">
-            <a:schemeClr val="lt1"/>
-          </a:fontRef>
-        </p:style>
-        <p:txBody>
-          <a:bodyPr rtlCol="0" anchor="ctr"/>
-          <a:lstStyle/>
-          <a:p>
-            <a:pPr algn="ctr"/>
-            <a:endParaRPr lang="en-IE" dirty="0"/>
-          </a:p>
-        </p:txBody>
-      </p:sp>
-      <p:sp>
-        <p:nvSpPr>
-          <p:cNvPr id="5" name="TextBox 4">
-            <a:extLst>
-              <a:ext uri="{FF2B5EF4-FFF2-40B4-BE49-F238E27FC236}">
-                <a16:creationId xmlns:a16="http://schemas.microsoft.com/office/drawing/2014/main" id="{9184BA42-4F1D-40F5-ACF3-0E0D52D7591A}"/>
-              </a:ext>
-            </a:extLst>
-          </p:cNvPr>
-          <p:cNvSpPr txBox="1"/>
-          <p:nvPr/>
-        </p:nvSpPr>
-        <p:spPr>
-          <a:xfrm>
-            <a:off x="447676" y="2067996"/>
-            <a:ext cx="2324100" cy="369332"/>
-          </a:xfrm>
-          <a:prstGeom prst="rect">
-            <a:avLst/>
-          </a:prstGeom>
-          <a:noFill/>
-        </p:spPr>
-        <p:txBody>
-          <a:bodyPr wrap="square" rtlCol="0">
-            <a:spAutoFit/>
-          </a:bodyPr>
-          <a:lstStyle/>
-          <a:p>
-            <a:r>
-              <a:rPr lang="en-IE" dirty="0"/>
-              <a:t>Course Name/ID</a:t>
-            </a:r>
-          </a:p>
-        </p:txBody>
-      </p:sp>
-      <p:sp>
-        <p:nvSpPr>
-          <p:cNvPr id="6" name="Rectangle 5">
-            <a:extLst>
-              <a:ext uri="{FF2B5EF4-FFF2-40B4-BE49-F238E27FC236}">
-                <a16:creationId xmlns:a16="http://schemas.microsoft.com/office/drawing/2014/main" id="{39904F38-C576-40FF-B0A5-E7EEF3EE1636}"/>
-              </a:ext>
-            </a:extLst>
-          </p:cNvPr>
-          <p:cNvSpPr/>
-          <p:nvPr/>
-        </p:nvSpPr>
-        <p:spPr>
-          <a:xfrm>
-            <a:off x="3067050" y="2814636"/>
-            <a:ext cx="4295775" cy="466725"/>
-          </a:xfrm>
-          <a:prstGeom prst="rect">
-            <a:avLst/>
-          </a:prstGeom>
-        </p:spPr>
-        <p:style>
-          <a:lnRef idx="2">
-            <a:schemeClr val="accent1">
-              <a:shade val="50000"/>
-            </a:schemeClr>
-          </a:lnRef>
-          <a:fillRef idx="1">
-            <a:schemeClr val="accent1"/>
-          </a:fillRef>
-          <a:effectRef idx="0">
-            <a:schemeClr val="accent1"/>
-          </a:effectRef>
-          <a:fontRef idx="minor">
-            <a:schemeClr val="lt1"/>
-          </a:fontRef>
-        </p:style>
-        <p:txBody>
-          <a:bodyPr rtlCol="0" anchor="ctr"/>
-          <a:lstStyle/>
-          <a:p>
-            <a:pPr algn="ctr"/>
-            <a:endParaRPr lang="en-IE" dirty="0"/>
-          </a:p>
-        </p:txBody>
-      </p:sp>
-      <p:sp>
-        <p:nvSpPr>
-          <p:cNvPr id="7" name="TextBox 6">
-            <a:extLst>
-              <a:ext uri="{FF2B5EF4-FFF2-40B4-BE49-F238E27FC236}">
-                <a16:creationId xmlns:a16="http://schemas.microsoft.com/office/drawing/2014/main" id="{7133004A-8E91-40C5-A9FF-289C58A22460}"/>
-              </a:ext>
-            </a:extLst>
-          </p:cNvPr>
-          <p:cNvSpPr txBox="1"/>
-          <p:nvPr/>
-        </p:nvSpPr>
-        <p:spPr>
-          <a:xfrm>
-            <a:off x="447676" y="2814636"/>
-            <a:ext cx="2324100" cy="369332"/>
-          </a:xfrm>
-          <a:prstGeom prst="rect">
-            <a:avLst/>
-          </a:prstGeom>
-          <a:noFill/>
-        </p:spPr>
-        <p:txBody>
-          <a:bodyPr wrap="square" rtlCol="0">
-            <a:spAutoFit/>
-          </a:bodyPr>
-          <a:lstStyle/>
-          <a:p>
-            <a:r>
-              <a:rPr lang="en-IE" dirty="0"/>
-              <a:t>Staff ID</a:t>
-            </a:r>
-          </a:p>
-        </p:txBody>
-      </p:sp>
-      <p:sp>
-        <p:nvSpPr>
-          <p:cNvPr id="8" name="Rectangle: Rounded Corners 7">
-            <a:extLst>
-              <a:ext uri="{FF2B5EF4-FFF2-40B4-BE49-F238E27FC236}">
-                <a16:creationId xmlns:a16="http://schemas.microsoft.com/office/drawing/2014/main" id="{B02CE2D8-2C24-4E24-8420-C0095385698F}"/>
-              </a:ext>
-            </a:extLst>
-          </p:cNvPr>
-          <p:cNvSpPr/>
-          <p:nvPr/>
-        </p:nvSpPr>
-        <p:spPr>
-          <a:xfrm>
-            <a:off x="4010025" y="3525794"/>
-            <a:ext cx="3352800" cy="323850"/>
-          </a:xfrm>
-          <a:prstGeom prst="roundRect">
-            <a:avLst/>
-          </a:prstGeom>
-        </p:spPr>
-        <p:style>
-          <a:lnRef idx="2">
-            <a:schemeClr val="accent1">
-              <a:shade val="50000"/>
-            </a:schemeClr>
-          </a:lnRef>
-          <a:fillRef idx="1">
-            <a:schemeClr val="accent1"/>
-          </a:fillRef>
-          <a:effectRef idx="0">
-            <a:schemeClr val="accent1"/>
-          </a:effectRef>
-          <a:fontRef idx="minor">
-            <a:schemeClr val="lt1"/>
-          </a:fontRef>
-        </p:style>
-        <p:txBody>
-          <a:bodyPr rtlCol="0" anchor="ctr"/>
-          <a:lstStyle/>
-          <a:p>
-            <a:pPr algn="ctr"/>
-            <a:r>
-              <a:rPr lang="en-IE" dirty="0"/>
-              <a:t>View Course Timetable</a:t>
-            </a:r>
-          </a:p>
-        </p:txBody>
-      </p:sp>
-    </p:spTree>
-    <p:extLst>
-      <p:ext uri="{BB962C8B-B14F-4D97-AF65-F5344CB8AC3E}">
-        <p14:creationId xmlns:p14="http://schemas.microsoft.com/office/powerpoint/2010/main" val="1840529372"/>
       </p:ext>
     </p:extLst>
   </p:cSld>
